--- a/OData.pptx
+++ b/OData.pptx
@@ -6,10 +6,10 @@
     <p:sldMasterId id="2147483660" r:id="rId5"/>
   </p:sldMasterIdLst>
   <p:notesMasterIdLst>
-    <p:notesMasterId r:id="rId13"/>
+    <p:notesMasterId r:id="rId16"/>
   </p:notesMasterIdLst>
   <p:handoutMasterIdLst>
-    <p:handoutMasterId r:id="rId14"/>
+    <p:handoutMasterId r:id="rId17"/>
   </p:handoutMasterIdLst>
   <p:sldIdLst>
     <p:sldId id="546" r:id="rId6"/>
@@ -17,8 +17,11 @@
     <p:sldId id="603" r:id="rId8"/>
     <p:sldId id="604" r:id="rId9"/>
     <p:sldId id="607" r:id="rId10"/>
-    <p:sldId id="597" r:id="rId11"/>
-    <p:sldId id="598" r:id="rId12"/>
+    <p:sldId id="608" r:id="rId11"/>
+    <p:sldId id="610" r:id="rId12"/>
+    <p:sldId id="597" r:id="rId13"/>
+    <p:sldId id="598" r:id="rId14"/>
+    <p:sldId id="609" r:id="rId15"/>
   </p:sldIdLst>
   <p:sldSz cx="9144000" cy="6858000" type="screen4x3"/>
   <p:notesSz cx="6797675" cy="9928225"/>
@@ -937,6 +940,222 @@
 </p:notes>
 </file>
 
+<file path=ppt/notesSlides/notesSlide6.xml><?xml version="1.0" encoding="utf-8"?>
+<p:notes xmlns:a="http://schemas.openxmlformats.org/drawingml/2006/main" xmlns:r="http://schemas.openxmlformats.org/officeDocument/2006/relationships" xmlns:p="http://schemas.openxmlformats.org/presentationml/2006/main">
+  <p:cSld>
+    <p:spTree>
+      <p:nvGrpSpPr>
+        <p:cNvPr id="1" name=""/>
+        <p:cNvGrpSpPr/>
+        <p:nvPr/>
+      </p:nvGrpSpPr>
+      <p:grpSpPr>
+        <a:xfrm>
+          <a:off x="0" y="0"/>
+          <a:ext cx="0" cy="0"/>
+          <a:chOff x="0" y="0"/>
+          <a:chExt cx="0" cy="0"/>
+        </a:xfrm>
+      </p:grpSpPr>
+      <p:sp>
+        <p:nvSpPr>
+          <p:cNvPr id="376834" name="Rectangle 2"/>
+          <p:cNvSpPr>
+            <a:spLocks noGrp="1" noRot="1" noChangeAspect="1" noChangeArrowheads="1" noTextEdit="1"/>
+          </p:cNvSpPr>
+          <p:nvPr>
+            <p:ph type="sldImg"/>
+          </p:nvPr>
+        </p:nvSpPr>
+        <p:spPr>
+          <a:xfrm>
+            <a:off x="920750" y="746125"/>
+            <a:ext cx="4960938" cy="3721100"/>
+          </a:xfrm>
+          <a:ln/>
+        </p:spPr>
+      </p:sp>
+      <p:sp>
+        <p:nvSpPr>
+          <p:cNvPr id="376835" name="Rectangle 3"/>
+          <p:cNvSpPr>
+            <a:spLocks noGrp="1" noChangeArrowheads="1"/>
+          </p:cNvSpPr>
+          <p:nvPr>
+            <p:ph type="body" idx="1"/>
+          </p:nvPr>
+        </p:nvSpPr>
+        <p:spPr>
+          <a:xfrm>
+            <a:off x="906463" y="4714875"/>
+            <a:ext cx="4984750" cy="4467225"/>
+          </a:xfrm>
+        </p:spPr>
+        <p:txBody>
+          <a:bodyPr/>
+          <a:lstStyle/>
+          <a:p>
+            <a:pPr>
+              <a:tabLst>
+                <a:tab pos="274638" algn="l"/>
+              </a:tabLst>
+            </a:pPr>
+            <a:endParaRPr lang="en-US"/>
+          </a:p>
+        </p:txBody>
+      </p:sp>
+    </p:spTree>
+  </p:cSld>
+  <p:clrMapOvr>
+    <a:masterClrMapping/>
+  </p:clrMapOvr>
+</p:notes>
+</file>
+
+<file path=ppt/notesSlides/notesSlide7.xml><?xml version="1.0" encoding="utf-8"?>
+<p:notes xmlns:a="http://schemas.openxmlformats.org/drawingml/2006/main" xmlns:r="http://schemas.openxmlformats.org/officeDocument/2006/relationships" xmlns:p="http://schemas.openxmlformats.org/presentationml/2006/main">
+  <p:cSld>
+    <p:spTree>
+      <p:nvGrpSpPr>
+        <p:cNvPr id="1" name=""/>
+        <p:cNvGrpSpPr/>
+        <p:nvPr/>
+      </p:nvGrpSpPr>
+      <p:grpSpPr>
+        <a:xfrm>
+          <a:off x="0" y="0"/>
+          <a:ext cx="0" cy="0"/>
+          <a:chOff x="0" y="0"/>
+          <a:chExt cx="0" cy="0"/>
+        </a:xfrm>
+      </p:grpSpPr>
+      <p:sp>
+        <p:nvSpPr>
+          <p:cNvPr id="376834" name="Rectangle 2"/>
+          <p:cNvSpPr>
+            <a:spLocks noGrp="1" noRot="1" noChangeAspect="1" noChangeArrowheads="1" noTextEdit="1"/>
+          </p:cNvSpPr>
+          <p:nvPr>
+            <p:ph type="sldImg"/>
+          </p:nvPr>
+        </p:nvSpPr>
+        <p:spPr>
+          <a:xfrm>
+            <a:off x="920750" y="746125"/>
+            <a:ext cx="4960938" cy="3721100"/>
+          </a:xfrm>
+          <a:ln/>
+        </p:spPr>
+      </p:sp>
+      <p:sp>
+        <p:nvSpPr>
+          <p:cNvPr id="376835" name="Rectangle 3"/>
+          <p:cNvSpPr>
+            <a:spLocks noGrp="1" noChangeArrowheads="1"/>
+          </p:cNvSpPr>
+          <p:nvPr>
+            <p:ph type="body" idx="1"/>
+          </p:nvPr>
+        </p:nvSpPr>
+        <p:spPr>
+          <a:xfrm>
+            <a:off x="906463" y="4714875"/>
+            <a:ext cx="4984750" cy="4467225"/>
+          </a:xfrm>
+        </p:spPr>
+        <p:txBody>
+          <a:bodyPr/>
+          <a:lstStyle/>
+          <a:p>
+            <a:pPr>
+              <a:tabLst>
+                <a:tab pos="274638" algn="l"/>
+              </a:tabLst>
+            </a:pPr>
+            <a:endParaRPr lang="en-US"/>
+          </a:p>
+        </p:txBody>
+      </p:sp>
+    </p:spTree>
+  </p:cSld>
+  <p:clrMapOvr>
+    <a:masterClrMapping/>
+  </p:clrMapOvr>
+</p:notes>
+</file>
+
+<file path=ppt/notesSlides/notesSlide8.xml><?xml version="1.0" encoding="utf-8"?>
+<p:notes xmlns:a="http://schemas.openxmlformats.org/drawingml/2006/main" xmlns:r="http://schemas.openxmlformats.org/officeDocument/2006/relationships" xmlns:p="http://schemas.openxmlformats.org/presentationml/2006/main">
+  <p:cSld>
+    <p:spTree>
+      <p:nvGrpSpPr>
+        <p:cNvPr id="1" name=""/>
+        <p:cNvGrpSpPr/>
+        <p:nvPr/>
+      </p:nvGrpSpPr>
+      <p:grpSpPr>
+        <a:xfrm>
+          <a:off x="0" y="0"/>
+          <a:ext cx="0" cy="0"/>
+          <a:chOff x="0" y="0"/>
+          <a:chExt cx="0" cy="0"/>
+        </a:xfrm>
+      </p:grpSpPr>
+      <p:sp>
+        <p:nvSpPr>
+          <p:cNvPr id="376834" name="Rectangle 2"/>
+          <p:cNvSpPr>
+            <a:spLocks noGrp="1" noRot="1" noChangeAspect="1" noChangeArrowheads="1" noTextEdit="1"/>
+          </p:cNvSpPr>
+          <p:nvPr>
+            <p:ph type="sldImg"/>
+          </p:nvPr>
+        </p:nvSpPr>
+        <p:spPr>
+          <a:xfrm>
+            <a:off x="920750" y="746125"/>
+            <a:ext cx="4960938" cy="3721100"/>
+          </a:xfrm>
+          <a:ln/>
+        </p:spPr>
+      </p:sp>
+      <p:sp>
+        <p:nvSpPr>
+          <p:cNvPr id="376835" name="Rectangle 3"/>
+          <p:cNvSpPr>
+            <a:spLocks noGrp="1" noChangeArrowheads="1"/>
+          </p:cNvSpPr>
+          <p:nvPr>
+            <p:ph type="body" idx="1"/>
+          </p:nvPr>
+        </p:nvSpPr>
+        <p:spPr>
+          <a:xfrm>
+            <a:off x="906463" y="4714875"/>
+            <a:ext cx="4984750" cy="4467225"/>
+          </a:xfrm>
+        </p:spPr>
+        <p:txBody>
+          <a:bodyPr/>
+          <a:lstStyle/>
+          <a:p>
+            <a:pPr>
+              <a:tabLst>
+                <a:tab pos="274638" algn="l"/>
+              </a:tabLst>
+            </a:pPr>
+            <a:endParaRPr lang="en-US"/>
+          </a:p>
+        </p:txBody>
+      </p:sp>
+    </p:spTree>
+  </p:cSld>
+  <p:clrMapOvr>
+    <a:masterClrMapping/>
+  </p:clrMapOvr>
+</p:notes>
+</file>
+
 <file path=ppt/slideLayouts/slideLayout1.xml><?xml version="1.0" encoding="utf-8"?>
 <p:sldLayout xmlns:a="http://schemas.openxmlformats.org/drawingml/2006/main" xmlns:r="http://schemas.openxmlformats.org/officeDocument/2006/relationships" xmlns:p="http://schemas.openxmlformats.org/presentationml/2006/main" showMasterSp="0" type="title" preserve="1">
   <p:cSld name="Title Slide">
@@ -5475,11 +5694,7 @@
           <a:p>
             <a:r>
               <a:rPr lang="en-US" sz="800" dirty="0" smtClean="0"/>
-              <a:t>Jan </a:t>
-            </a:r>
-            <a:r>
-              <a:rPr lang="en-US" sz="800" dirty="0" smtClean="0"/>
-              <a:t>Masopust|  </a:t>
+              <a:t>Jan Masopust|  </a:t>
             </a:r>
             <a:r>
               <a:rPr lang="en-US" sz="800" dirty="0"/>
@@ -6516,15 +6731,23 @@
             </a:r>
             <a:r>
               <a:rPr lang="en-GB" dirty="0" smtClean="0"/>
-              <a:t>follow-up demo application using </a:t>
+              <a:t>simple </a:t>
             </a:r>
             <a:r>
               <a:rPr lang="en-GB" dirty="0" smtClean="0"/>
-              <a:t>Angular</a:t>
+              <a:t>demo application using </a:t>
             </a:r>
             <a:r>
               <a:rPr lang="en-GB" dirty="0" smtClean="0"/>
-              <a:t>, WebApi2, Entity Framework 6, Bootstrap, ...</a:t>
+              <a:t>WebApi2, Angular</a:t>
+            </a:r>
+            <a:r>
+              <a:rPr lang="en-GB" dirty="0" smtClean="0"/>
+              <a:t>, </a:t>
+            </a:r>
+            <a:r>
+              <a:rPr lang="en-GB" dirty="0" smtClean="0"/>
+              <a:t>Entity Framework 6, Bootstrap, ...</a:t>
             </a:r>
             <a:endParaRPr lang="en-GB" dirty="0"/>
           </a:p>
@@ -6553,6 +6776,256 @@
               <a:t>Open Data Protocol</a:t>
             </a:r>
             <a:endParaRPr lang="en-GB" dirty="0"/>
+          </a:p>
+        </p:txBody>
+      </p:sp>
+    </p:spTree>
+  </p:cSld>
+  <p:clrMapOvr>
+    <a:masterClrMapping/>
+  </p:clrMapOvr>
+  <p:timing>
+    <p:tnLst>
+      <p:par>
+        <p:cTn id="1" dur="indefinite" restart="never" nodeType="tmRoot"/>
+      </p:par>
+    </p:tnLst>
+  </p:timing>
+</p:sld>
+</file>
+
+<file path=ppt/slides/slide10.xml><?xml version="1.0" encoding="utf-8"?>
+<p:sld xmlns:a="http://schemas.openxmlformats.org/drawingml/2006/main" xmlns:r="http://schemas.openxmlformats.org/officeDocument/2006/relationships" xmlns:p="http://schemas.openxmlformats.org/presentationml/2006/main">
+  <p:cSld>
+    <p:spTree>
+      <p:nvGrpSpPr>
+        <p:cNvPr id="1" name=""/>
+        <p:cNvGrpSpPr/>
+        <p:nvPr/>
+      </p:nvGrpSpPr>
+      <p:grpSpPr>
+        <a:xfrm>
+          <a:off x="0" y="0"/>
+          <a:ext cx="0" cy="0"/>
+          <a:chOff x="0" y="0"/>
+          <a:chExt cx="0" cy="0"/>
+        </a:xfrm>
+      </p:grpSpPr>
+      <p:sp>
+        <p:nvSpPr>
+          <p:cNvPr id="375810" name="Rectangle 2"/>
+          <p:cNvSpPr>
+            <a:spLocks noGrp="1" noChangeArrowheads="1"/>
+          </p:cNvSpPr>
+          <p:nvPr>
+            <p:ph type="title"/>
+          </p:nvPr>
+        </p:nvSpPr>
+        <p:spPr/>
+        <p:txBody>
+          <a:bodyPr/>
+          <a:lstStyle/>
+          <a:p>
+            <a:r>
+              <a:rPr lang="en-GB" dirty="0" smtClean="0"/>
+              <a:t>References</a:t>
+            </a:r>
+            <a:endParaRPr lang="en-GB" dirty="0"/>
+          </a:p>
+        </p:txBody>
+      </p:sp>
+      <p:sp>
+        <p:nvSpPr>
+          <p:cNvPr id="375811" name="Rectangle 3"/>
+          <p:cNvSpPr>
+            <a:spLocks noGrp="1" noChangeArrowheads="1"/>
+          </p:cNvSpPr>
+          <p:nvPr>
+            <p:ph type="body" idx="1"/>
+          </p:nvPr>
+        </p:nvSpPr>
+        <p:spPr/>
+        <p:txBody>
+          <a:bodyPr/>
+          <a:lstStyle/>
+          <a:p>
+            <a:pPr defTabSz="708025">
+              <a:tabLst>
+                <a:tab pos="1436688" algn="l"/>
+                <a:tab pos="1798638" algn="l"/>
+              </a:tabLst>
+            </a:pPr>
+            <a:r>
+              <a:rPr lang="en-GB" dirty="0" smtClean="0">
+                <a:hlinkClick r:id="rId3"/>
+              </a:rPr>
+              <a:t>http</a:t>
+            </a:r>
+            <a:r>
+              <a:rPr lang="en-GB" dirty="0" smtClean="0">
+                <a:hlinkClick r:id="rId3"/>
+              </a:rPr>
+              <a:t>://www.odata.org</a:t>
+            </a:r>
+            <a:r>
+              <a:rPr lang="en-GB" dirty="0" smtClean="0">
+                <a:hlinkClick r:id="rId3"/>
+              </a:rPr>
+              <a:t>/</a:t>
+            </a:r>
+            <a:endParaRPr lang="en-GB" dirty="0" smtClean="0"/>
+          </a:p>
+          <a:p>
+            <a:pPr defTabSz="708025">
+              <a:tabLst>
+                <a:tab pos="1436688" algn="l"/>
+                <a:tab pos="1798638" algn="l"/>
+              </a:tabLst>
+            </a:pPr>
+            <a:r>
+              <a:rPr lang="en-GB" dirty="0" smtClean="0">
+                <a:hlinkClick r:id="rId4"/>
+              </a:rPr>
+              <a:t>http://odata.github.io/WebApi</a:t>
+            </a:r>
+            <a:r>
+              <a:rPr lang="en-GB" dirty="0" smtClean="0">
+                <a:hlinkClick r:id="rId4"/>
+              </a:rPr>
+              <a:t>/</a:t>
+            </a:r>
+            <a:endParaRPr lang="en-GB" dirty="0" smtClean="0"/>
+          </a:p>
+          <a:p>
+            <a:pPr defTabSz="708025">
+              <a:tabLst>
+                <a:tab pos="1436688" algn="l"/>
+                <a:tab pos="1798638" algn="l"/>
+              </a:tabLst>
+            </a:pPr>
+            <a:r>
+              <a:rPr lang="en-GB" dirty="0" smtClean="0">
+                <a:hlinkClick r:id="rId5"/>
+              </a:rPr>
+              <a:t>http://</a:t>
+            </a:r>
+            <a:r>
+              <a:rPr lang="en-GB" dirty="0" smtClean="0">
+                <a:hlinkClick r:id="rId5"/>
+              </a:rPr>
+              <a:t>www.asp.net/web-api/</a:t>
+            </a:r>
+          </a:p>
+          <a:p>
+            <a:pPr defTabSz="708025">
+              <a:tabLst>
+                <a:tab pos="1436688" algn="l"/>
+                <a:tab pos="1798638" algn="l"/>
+              </a:tabLst>
+            </a:pPr>
+            <a:r>
+              <a:rPr lang="en-GB" dirty="0" smtClean="0">
+                <a:hlinkClick r:id="rId6"/>
+              </a:rPr>
+              <a:t>http</a:t>
+            </a:r>
+            <a:r>
+              <a:rPr lang="en-GB" dirty="0" smtClean="0">
+                <a:hlinkClick r:id="rId6"/>
+              </a:rPr>
+              <a:t>://blog.smartbear.com/apis/understanding-soap-and-rest-basics</a:t>
+            </a:r>
+            <a:r>
+              <a:rPr lang="en-GB" dirty="0" smtClean="0">
+                <a:hlinkClick r:id="rId6"/>
+              </a:rPr>
+              <a:t>/</a:t>
+            </a:r>
+            <a:endParaRPr lang="en-GB" dirty="0" smtClean="0"/>
+          </a:p>
+          <a:p>
+            <a:pPr defTabSz="708025">
+              <a:tabLst>
+                <a:tab pos="1436688" algn="l"/>
+                <a:tab pos="1798638" algn="l"/>
+              </a:tabLst>
+            </a:pPr>
+            <a:endParaRPr lang="en-GB" dirty="0" smtClean="0"/>
+          </a:p>
+          <a:p>
+            <a:pPr lvl="1" defTabSz="708025">
+              <a:buNone/>
+              <a:tabLst>
+                <a:tab pos="1436688" algn="l"/>
+                <a:tab pos="1798638" algn="l"/>
+              </a:tabLst>
+            </a:pPr>
+            <a:endParaRPr lang="en-GB" dirty="0" smtClean="0"/>
+          </a:p>
+          <a:p>
+            <a:pPr lvl="1" defTabSz="708025">
+              <a:buNone/>
+              <a:tabLst>
+                <a:tab pos="1436688" algn="l"/>
+                <a:tab pos="1798638" algn="l"/>
+              </a:tabLst>
+            </a:pPr>
+            <a:endParaRPr lang="en-GB" dirty="0" smtClean="0"/>
+          </a:p>
+          <a:p>
+            <a:pPr lvl="1" defTabSz="708025">
+              <a:buNone/>
+              <a:tabLst>
+                <a:tab pos="1436688" algn="l"/>
+                <a:tab pos="1798638" algn="l"/>
+              </a:tabLst>
+            </a:pPr>
+            <a:endParaRPr lang="en-GB" dirty="0" smtClean="0">
+              <a:hlinkClick r:id="rId7"/>
+            </a:endParaRPr>
+          </a:p>
+          <a:p>
+            <a:pPr lvl="1" defTabSz="708025">
+              <a:buNone/>
+              <a:tabLst>
+                <a:tab pos="1436688" algn="l"/>
+                <a:tab pos="1798638" algn="l"/>
+              </a:tabLst>
+            </a:pPr>
+            <a:endParaRPr lang="en-GB" dirty="0" smtClean="0"/>
+          </a:p>
+          <a:p>
+            <a:pPr defTabSz="708025">
+              <a:buNone/>
+              <a:tabLst>
+                <a:tab pos="1436688" algn="l"/>
+                <a:tab pos="1798638" algn="l"/>
+              </a:tabLst>
+            </a:pPr>
+            <a:endParaRPr lang="en-US" dirty="0" smtClean="0"/>
+          </a:p>
+          <a:p>
+            <a:pPr defTabSz="708025">
+              <a:buNone/>
+              <a:tabLst>
+                <a:tab pos="1436688" algn="l"/>
+                <a:tab pos="1798638" algn="l"/>
+              </a:tabLst>
+            </a:pPr>
+            <a:endParaRPr lang="en-GB" dirty="0" smtClean="0"/>
+          </a:p>
+          <a:p>
+            <a:pPr lvl="1" defTabSz="708025">
+              <a:buNone/>
+              <a:tabLst>
+                <a:tab pos="1436688" algn="l"/>
+                <a:tab pos="1798638" algn="l"/>
+              </a:tabLst>
+            </a:pPr>
+            <a:r>
+              <a:rPr lang="en-GB" dirty="0" smtClean="0"/>
+              <a:t>		</a:t>
+            </a:r>
           </a:p>
         </p:txBody>
       </p:sp>
@@ -6745,8 +7218,8 @@
               </a:tabLst>
             </a:pPr>
             <a:r>
-              <a:rPr lang="en-GB" dirty="0" err="1" smtClean="0"/>
-              <a:t>Cachable</a:t>
+              <a:rPr lang="en-GB" dirty="0" smtClean="0"/>
+              <a:t>Cacheable</a:t>
             </a:r>
             <a:endParaRPr lang="en-GB" dirty="0" smtClean="0"/>
           </a:p>
@@ -6838,7 +7311,11 @@
             </a:r>
             <a:r>
               <a:rPr lang="en-GB" dirty="0" smtClean="0"/>
-              <a:t> Service</a:t>
+              <a:t> </a:t>
+            </a:r>
+            <a:r>
+              <a:rPr lang="en-GB" dirty="0" smtClean="0"/>
+              <a:t>Service</a:t>
             </a:r>
             <a:endParaRPr lang="en-GB" dirty="0"/>
           </a:p>
@@ -6891,11 +7368,7 @@
             </a:pPr>
             <a:r>
               <a:rPr lang="en-US" dirty="0" smtClean="0"/>
-              <a:t>Manipulation of resources through these </a:t>
-            </a:r>
-            <a:r>
-              <a:rPr lang="en-US" dirty="0" smtClean="0"/>
-              <a:t>representations</a:t>
+              <a:t>Manipulation of resources through these representations</a:t>
             </a:r>
           </a:p>
           <a:p>
@@ -6907,11 +7380,7 @@
             </a:pPr>
             <a:r>
               <a:rPr lang="en-GB" dirty="0" smtClean="0"/>
-              <a:t>Self-descriptive </a:t>
-            </a:r>
-            <a:r>
-              <a:rPr lang="en-GB" dirty="0" smtClean="0"/>
-              <a:t>messages</a:t>
+              <a:t>Self-descriptive messages</a:t>
             </a:r>
           </a:p>
           <a:p>
@@ -6923,11 +7392,23 @@
             </a:pPr>
             <a:r>
               <a:rPr lang="en-US" dirty="0" smtClean="0"/>
-              <a:t>Hypermedia as the engine of application </a:t>
+              <a:t>Hypermedia as the engine of application state </a:t>
             </a:r>
             <a:r>
               <a:rPr lang="en-US" dirty="0" smtClean="0"/>
-              <a:t>state (aka HATEOAS, hyperlinks)</a:t>
+              <a:t>(HATEOAS</a:t>
+            </a:r>
+            <a:r>
+              <a:rPr lang="en-US" dirty="0" smtClean="0"/>
+              <a:t>,</a:t>
+            </a:r>
+            <a:r>
+              <a:rPr lang="en-US" dirty="0" smtClean="0"/>
+              <a:t> </a:t>
+            </a:r>
+            <a:r>
+              <a:rPr lang="en-US" dirty="0" smtClean="0"/>
+              <a:t>hyperlinks)</a:t>
             </a:r>
           </a:p>
           <a:p>
@@ -6947,7 +7428,7 @@
               </a:tabLst>
             </a:pPr>
             <a:r>
-              <a:rPr lang="en-US" dirty="0" smtClean="0"/>
+              <a:rPr lang="en-US" b="1" dirty="0" smtClean="0"/>
               <a:t>Example</a:t>
             </a:r>
           </a:p>
@@ -7008,13 +7489,8 @@
             </a:pPr>
             <a:r>
               <a:rPr lang="en-US" dirty="0" smtClean="0"/>
-              <a:t>38.898748</a:t>
-            </a:r>
-            <a:r>
-              <a:rPr lang="en-US" dirty="0" smtClean="0"/>
-              <a:t>,-77.037684,1600 Pennsylvania Ave NW,Washington,DC,20502</a:t>
-            </a:r>
-            <a:endParaRPr lang="en-US" dirty="0" smtClean="0"/>
+              <a:t>38.898748,-77.037684,1600 Pennsylvania Ave NW,Washington,DC,20502</a:t>
+            </a:r>
           </a:p>
           <a:p>
             <a:pPr defTabSz="708025">
@@ -7036,13 +7512,8 @@
             </a:pPr>
             <a:r>
               <a:rPr lang="en-GB" dirty="0" smtClean="0"/>
-              <a:t>	</a:t>
-            </a:r>
-            <a:r>
-              <a:rPr lang="en-GB" dirty="0" smtClean="0"/>
-              <a:t>	</a:t>
-            </a:r>
-            <a:endParaRPr lang="en-GB" dirty="0" smtClean="0"/>
+              <a:t>		</a:t>
+            </a:r>
           </a:p>
         </p:txBody>
       </p:sp>
@@ -7095,15 +7566,11 @@
           <a:p>
             <a:r>
               <a:rPr lang="en-GB" dirty="0" smtClean="0"/>
-              <a:t>Open Data Protocol (</a:t>
-            </a:r>
-            <a:r>
-              <a:rPr lang="en-GB" dirty="0" err="1" smtClean="0"/>
-              <a:t>OData</a:t>
+              <a:t>Open Data </a:t>
             </a:r>
             <a:r>
               <a:rPr lang="en-GB" dirty="0" smtClean="0"/>
-              <a:t>)</a:t>
+              <a:t>Protocol</a:t>
             </a:r>
             <a:endParaRPr lang="en-GB" dirty="0"/>
           </a:p>
@@ -7145,7 +7612,11 @@
             </a:pPr>
             <a:r>
               <a:rPr lang="en-GB" dirty="0" smtClean="0"/>
-              <a:t>Protocol to consume REST service in a standard way</a:t>
+              <a:t>Protocol to consume REST service in a standard </a:t>
+            </a:r>
+            <a:r>
+              <a:rPr lang="en-GB" dirty="0" smtClean="0"/>
+              <a:t>way</a:t>
             </a:r>
           </a:p>
           <a:p>
@@ -7157,8 +7628,9 @@
             </a:pPr>
             <a:r>
               <a:rPr lang="en-GB" dirty="0" smtClean="0"/>
-              <a:t>Initiated by Microsoft in 2007 as OSP (open specification promise)</a:t>
-            </a:r>
+              <a:t>Based on and bound to HTTP</a:t>
+            </a:r>
+            <a:endParaRPr lang="en-GB" dirty="0" smtClean="0"/>
           </a:p>
           <a:p>
             <a:pPr defTabSz="708025">
@@ -7169,7 +7641,7 @@
             </a:pPr>
             <a:r>
               <a:rPr lang="en-GB" dirty="0" smtClean="0"/>
-              <a:t>Versions 1.0 up to 3.0 (backward compatible)</a:t>
+              <a:t>Initiated by Microsoft in 2007 as OSP (open specification promise)</a:t>
             </a:r>
           </a:p>
           <a:p>
@@ -7181,18 +7653,13 @@
             </a:pPr>
             <a:r>
               <a:rPr lang="en-GB" dirty="0" smtClean="0"/>
-              <a:t>Version 4.0 standardized by OASIS (</a:t>
-            </a:r>
-            <a:r>
-              <a:rPr lang="en-GB" dirty="0" smtClean="0">
-                <a:hlinkClick r:id="rId3"/>
-              </a:rPr>
-              <a:t>www.oasis-open.org</a:t>
+              <a:t>Versions 1.0 up to 3.0 </a:t>
             </a:r>
             <a:r>
               <a:rPr lang="en-GB" dirty="0" smtClean="0"/>
-              <a:t>)</a:t>
-            </a:r>
+              <a:t>(backward compatible)</a:t>
+            </a:r>
+            <a:endParaRPr lang="en-GB" dirty="0" smtClean="0"/>
           </a:p>
           <a:p>
             <a:pPr defTabSz="708025">
@@ -7201,21 +7668,20 @@
                 <a:tab pos="1798638" algn="l"/>
               </a:tabLst>
             </a:pPr>
-            <a:endParaRPr lang="en-GB" dirty="0" smtClean="0"/>
-          </a:p>
-          <a:p>
-            <a:pPr defTabSz="708025">
-              <a:buNone/>
-              <a:tabLst>
-                <a:tab pos="1436688" algn="l"/>
-                <a:tab pos="1798638" algn="l"/>
-              </a:tabLst>
-            </a:pPr>
-            <a:r>
-              <a:rPr lang="en-GB" b="1" dirty="0" smtClean="0"/>
-              <a:t>Protocol Description</a:t>
-            </a:r>
-            <a:endParaRPr lang="en-GB" b="1" dirty="0" smtClean="0"/>
+            <a:r>
+              <a:rPr lang="en-GB" dirty="0" smtClean="0"/>
+              <a:t>Version 4.0 standardized by OASIS (</a:t>
+            </a:r>
+            <a:r>
+              <a:rPr lang="en-GB" dirty="0" smtClean="0">
+                <a:hlinkClick r:id="rId3"/>
+              </a:rPr>
+              <a:t>www.oasis-open.org</a:t>
+            </a:r>
+            <a:r>
+              <a:rPr lang="en-GB" dirty="0" smtClean="0"/>
+              <a:t>)</a:t>
+            </a:r>
           </a:p>
           <a:p>
             <a:pPr defTabSz="708025">
@@ -7224,13 +7690,19 @@
                 <a:tab pos="1798638" algn="l"/>
               </a:tabLst>
             </a:pPr>
-            <a:r>
-              <a:rPr lang="en-GB" dirty="0" smtClean="0"/>
-              <a:t>Resource Identification by </a:t>
-            </a:r>
-            <a:r>
-              <a:rPr lang="en-GB" dirty="0" smtClean="0"/>
-              <a:t>URIs</a:t>
+            <a:endParaRPr lang="en-GB" dirty="0" smtClean="0"/>
+          </a:p>
+          <a:p>
+            <a:pPr defTabSz="708025">
+              <a:buNone/>
+              <a:tabLst>
+                <a:tab pos="1436688" algn="l"/>
+                <a:tab pos="1798638" algn="l"/>
+              </a:tabLst>
+            </a:pPr>
+            <a:r>
+              <a:rPr lang="en-GB" b="1" dirty="0" smtClean="0"/>
+              <a:t>Protocol Description</a:t>
             </a:r>
           </a:p>
           <a:p>
@@ -7242,27 +7714,7 @@
             </a:pPr>
             <a:r>
               <a:rPr lang="en-GB" dirty="0" smtClean="0"/>
-              <a:t>Service </a:t>
-            </a:r>
-            <a:r>
-              <a:rPr lang="en-GB" dirty="0" smtClean="0"/>
-              <a:t>Document (</a:t>
-            </a:r>
-            <a:r>
-              <a:rPr lang="en-GB" dirty="0" smtClean="0">
-                <a:hlinkClick r:id="rId4"/>
-              </a:rPr>
-              <a:t>http://</a:t>
-            </a:r>
-            <a:r>
-              <a:rPr lang="en-GB" dirty="0" smtClean="0">
-                <a:hlinkClick r:id="rId4"/>
-              </a:rPr>
-              <a:t>services.odata.org/OData/OData.svc</a:t>
-            </a:r>
-            <a:r>
-              <a:rPr lang="en-GB" dirty="0" smtClean="0"/>
-              <a:t>)</a:t>
+              <a:t>Resource Identification by URIs</a:t>
             </a:r>
           </a:p>
           <a:p>
@@ -7274,23 +7726,13 @@
             </a:pPr>
             <a:r>
               <a:rPr lang="en-GB" dirty="0" smtClean="0"/>
-              <a:t>Metadata </a:t>
-            </a:r>
-            <a:r>
-              <a:rPr lang="en-GB" dirty="0" smtClean="0"/>
-              <a:t>Document (</a:t>
+              <a:t>Service Document (</a:t>
             </a:r>
             <a:r>
               <a:rPr lang="en-GB" dirty="0" smtClean="0">
-                <a:hlinkClick r:id="rId5"/>
+                <a:hlinkClick r:id="rId4"/>
               </a:rPr>
-              <a:t>http://</a:t>
-            </a:r>
-            <a:r>
-              <a:rPr lang="en-GB" dirty="0" smtClean="0">
-                <a:hlinkClick r:id="rId5"/>
-              </a:rPr>
-              <a:t>services.odata.org/OData/OData.svc/$metadata</a:t>
+              <a:t>http://services.odata.org/OData/OData.svc</a:t>
             </a:r>
             <a:r>
               <a:rPr lang="en-GB" dirty="0" smtClean="0"/>
@@ -7306,25 +7748,18 @@
             </a:pPr>
             <a:r>
               <a:rPr lang="en-GB" dirty="0" smtClean="0"/>
-              <a:t>Dynamic </a:t>
+              <a:t>Metadata Document (</a:t>
+            </a:r>
+            <a:r>
+              <a:rPr lang="en-GB" dirty="0" smtClean="0">
+                <a:hlinkClick r:id="rId5"/>
+              </a:rPr>
+              <a:t>http://services.odata.org/OData/OData.svc/$metadata</a:t>
             </a:r>
             <a:r>
               <a:rPr lang="en-GB" dirty="0" smtClean="0"/>
-              <a:t>Resource (HATEOAS) (</a:t>
-            </a:r>
-            <a:r>
-              <a:rPr lang="en-GB" dirty="0" smtClean="0">
-                <a:hlinkClick r:id="rId6"/>
-              </a:rPr>
-              <a:t>http://</a:t>
-            </a:r>
-            <a:r>
-              <a:rPr lang="en-GB" dirty="0" smtClean="0">
-                <a:hlinkClick r:id="rId6"/>
-              </a:rPr>
-              <a:t>services.odata.org/OData/OData.svc/Products)</a:t>
-            </a:r>
-            <a:endParaRPr lang="en-GB" dirty="0" smtClean="0"/>
+              <a:t>)</a:t>
+            </a:r>
           </a:p>
           <a:p>
             <a:pPr defTabSz="708025">
@@ -7335,6 +7770,25 @@
             </a:pPr>
             <a:r>
               <a:rPr lang="en-GB" dirty="0" smtClean="0"/>
+              <a:t>Dynamic Resource (HATEOAS) (</a:t>
+            </a:r>
+            <a:r>
+              <a:rPr lang="en-GB" dirty="0" smtClean="0">
+                <a:hlinkClick r:id="rId6"/>
+              </a:rPr>
+              <a:t>http://services.odata.org/OData/OData.svc/Products)</a:t>
+            </a:r>
+            <a:endParaRPr lang="en-GB" dirty="0" smtClean="0"/>
+          </a:p>
+          <a:p>
+            <a:pPr defTabSz="708025">
+              <a:tabLst>
+                <a:tab pos="1436688" algn="l"/>
+                <a:tab pos="1798638" algn="l"/>
+              </a:tabLst>
+            </a:pPr>
+            <a:r>
+              <a:rPr lang="en-GB" dirty="0" smtClean="0"/>
               <a:t>Entity Resource (</a:t>
             </a:r>
             <a:r>
@@ -7400,13 +7854,8 @@
             </a:pPr>
             <a:r>
               <a:rPr lang="en-GB" dirty="0" smtClean="0"/>
-              <a:t>	</a:t>
-            </a:r>
-            <a:r>
-              <a:rPr lang="en-GB" dirty="0" smtClean="0"/>
-              <a:t>	</a:t>
-            </a:r>
-            <a:endParaRPr lang="en-GB" dirty="0" smtClean="0"/>
+              <a:t>		</a:t>
+            </a:r>
           </a:p>
         </p:txBody>
       </p:sp>
@@ -7459,15 +7908,11 @@
           <a:p>
             <a:r>
               <a:rPr lang="en-GB" dirty="0" smtClean="0"/>
-              <a:t>Open Data Protocol (</a:t>
-            </a:r>
-            <a:r>
-              <a:rPr lang="en-GB" dirty="0" err="1" smtClean="0"/>
-              <a:t>OData</a:t>
+              <a:t>Open Data </a:t>
             </a:r>
             <a:r>
               <a:rPr lang="en-GB" dirty="0" smtClean="0"/>
-              <a:t>)</a:t>
+              <a:t>Protocol</a:t>
             </a:r>
             <a:endParaRPr lang="en-GB" dirty="0"/>
           </a:p>
@@ -7524,7 +7969,13 @@
               <a:rPr lang="en-GB" dirty="0" smtClean="0">
                 <a:hlinkClick r:id="rId3"/>
               </a:rPr>
-              <a:t>http://services.odata.org/OData/OData.svc/Products(1)/Name</a:t>
+              <a:t>http</a:t>
+            </a:r>
+            <a:r>
+              <a:rPr lang="en-GB" dirty="0" smtClean="0">
+                <a:hlinkClick r:id="rId3"/>
+              </a:rPr>
+              <a:t>://services.odata.org/OData/OData.svc/Products(1)/Name</a:t>
             </a:r>
           </a:p>
           <a:p>
@@ -7551,13 +8002,7 @@
               <a:rPr lang="en-GB" dirty="0" smtClean="0">
                 <a:hlinkClick r:id="rId4"/>
               </a:rPr>
-              <a:t>http://services.odata.org/OData/OData.svc/Products(1)/</a:t>
-            </a:r>
-            <a:r>
-              <a:rPr lang="en-GB" dirty="0" smtClean="0">
-                <a:hlinkClick r:id="rId4"/>
-              </a:rPr>
-              <a:t>Name/$value</a:t>
+              <a:t>http://services.odata.org/OData/OData.svc/Products(1)/Name/$value</a:t>
             </a:r>
           </a:p>
           <a:p>
@@ -7588,13 +8033,7 @@
               <a:rPr lang="en-GB" dirty="0" smtClean="0">
                 <a:hlinkClick r:id="rId5"/>
               </a:rPr>
-              <a:t>http://</a:t>
-            </a:r>
-            <a:r>
-              <a:rPr lang="en-GB" dirty="0" smtClean="0">
-                <a:hlinkClick r:id="rId5"/>
-              </a:rPr>
-              <a:t>www.odata.org/</a:t>
+              <a:t>http://www.odata.org/</a:t>
             </a:r>
             <a:endParaRPr lang="en-GB" dirty="0" smtClean="0"/>
           </a:p>
@@ -7670,19 +8109,12 @@
               <a:rPr lang="en-GB" dirty="0" smtClean="0">
                 <a:hlinkClick r:id="rId6"/>
               </a:rPr>
-              <a:t>http://</a:t>
-            </a:r>
-            <a:r>
-              <a:rPr lang="en-GB" dirty="0" smtClean="0">
-                <a:hlinkClick r:id="rId6"/>
-              </a:rPr>
-              <a:t>services.odata.org/OData/OData.svc/Products(1)$format=json</a:t>
+              <a:t>http://services.odata.org/OData/OData.svc/Products(1)$format=json</a:t>
             </a:r>
             <a:r>
               <a:rPr lang="en-GB" dirty="0" smtClean="0"/>
               <a:t>)</a:t>
             </a:r>
-            <a:endParaRPr lang="en-GB" dirty="0" smtClean="0"/>
           </a:p>
           <a:p>
             <a:pPr lvl="1" defTabSz="708025">
@@ -7756,13 +8188,8 @@
             </a:pPr>
             <a:r>
               <a:rPr lang="en-GB" dirty="0" smtClean="0"/>
-              <a:t>	</a:t>
-            </a:r>
-            <a:r>
-              <a:rPr lang="en-GB" dirty="0" smtClean="0"/>
-              <a:t>	</a:t>
-            </a:r>
-            <a:endParaRPr lang="en-GB" dirty="0" smtClean="0"/>
+              <a:t>		</a:t>
+            </a:r>
           </a:p>
         </p:txBody>
       </p:sp>
@@ -7800,7 +8227,7 @@
       </p:grpSpPr>
       <p:sp>
         <p:nvSpPr>
-          <p:cNvPr id="721922" name="Rectangle 2"/>
+          <p:cNvPr id="375810" name="Rectangle 2"/>
           <p:cNvSpPr>
             <a:spLocks noGrp="1" noChangeArrowheads="1"/>
           </p:cNvSpPr>
@@ -7808,174 +8235,336 @@
             <p:ph type="title"/>
           </p:nvPr>
         </p:nvSpPr>
-        <p:spPr>
-          <a:xfrm>
-            <a:off x="3444024" y="2975319"/>
-            <a:ext cx="2287473" cy="711200"/>
-          </a:xfrm>
-        </p:spPr>
+        <p:spPr/>
         <p:txBody>
           <a:bodyPr/>
           <a:lstStyle/>
           <a:p>
             <a:r>
-              <a:rPr lang="en-GB" sz="4400" dirty="0" smtClean="0"/>
-              <a:t>DEMO</a:t>
-            </a:r>
-            <a:endParaRPr lang="en-GB" sz="4400" dirty="0"/>
-          </a:p>
-        </p:txBody>
-      </p:sp>
-      <p:sp>
-        <p:nvSpPr>
-          <p:cNvPr id="721932" name="AutoShape 12" descr="Výsledek obrázku pro angularjs"/>
-          <p:cNvSpPr>
-            <a:spLocks noChangeAspect="1" noChangeArrowheads="1"/>
-          </p:cNvSpPr>
+              <a:rPr lang="en-GB" dirty="0" smtClean="0"/>
+              <a:t>ASP.NET </a:t>
+            </a:r>
+            <a:r>
+              <a:rPr lang="en-GB" dirty="0" err="1" smtClean="0"/>
+              <a:t>WebAPI</a:t>
+            </a:r>
+            <a:r>
+              <a:rPr lang="en-GB" dirty="0" smtClean="0"/>
+              <a:t> </a:t>
+            </a:r>
+            <a:r>
+              <a:rPr lang="en-GB" dirty="0" err="1" smtClean="0"/>
+              <a:t>Odata</a:t>
+            </a:r>
+            <a:r>
+              <a:rPr lang="en-GB" dirty="0" smtClean="0"/>
+              <a:t> </a:t>
+            </a:r>
+            <a:endParaRPr lang="en-GB" dirty="0"/>
+          </a:p>
+        </p:txBody>
+      </p:sp>
+      <p:sp>
+        <p:nvSpPr>
+          <p:cNvPr id="375811" name="Rectangle 3"/>
+          <p:cNvSpPr>
+            <a:spLocks noGrp="1" noChangeArrowheads="1"/>
+          </p:cNvSpPr>
+          <p:nvPr>
+            <p:ph type="body" idx="1"/>
+          </p:nvPr>
+        </p:nvSpPr>
+        <p:spPr/>
+        <p:txBody>
+          <a:bodyPr/>
+          <a:lstStyle/>
+          <a:p>
+            <a:pPr defTabSz="708025">
+              <a:tabLst>
+                <a:tab pos="1436688" algn="l"/>
+                <a:tab pos="1798638" algn="l"/>
+              </a:tabLst>
+            </a:pPr>
+            <a:r>
+              <a:rPr lang="en-GB" dirty="0" smtClean="0"/>
+              <a:t>Successor of WCF Data Services (formerly called ADO.NET Data Services)</a:t>
+            </a:r>
+          </a:p>
+          <a:p>
+            <a:pPr defTabSz="708025">
+              <a:tabLst>
+                <a:tab pos="1436688" algn="l"/>
+                <a:tab pos="1798638" algn="l"/>
+              </a:tabLst>
+            </a:pPr>
+            <a:r>
+              <a:rPr lang="en-GB" dirty="0" smtClean="0"/>
+              <a:t>Distributed as </a:t>
+            </a:r>
+            <a:r>
+              <a:rPr lang="en-GB" dirty="0" err="1" smtClean="0"/>
+              <a:t>nuget</a:t>
+            </a:r>
+            <a:r>
+              <a:rPr lang="en-GB" dirty="0" smtClean="0"/>
+              <a:t> package </a:t>
+            </a:r>
+            <a:endParaRPr lang="en-GB" dirty="0" smtClean="0"/>
+          </a:p>
+          <a:p>
+            <a:pPr lvl="1" defTabSz="708025">
+              <a:tabLst>
+                <a:tab pos="1436688" algn="l"/>
+                <a:tab pos="1798638" algn="l"/>
+              </a:tabLst>
+            </a:pPr>
+            <a:r>
+              <a:rPr lang="cs-CZ" dirty="0" smtClean="0"/>
+              <a:t>Microsoft.AspNet.WebApi.OData (v1-3) </a:t>
+            </a:r>
+            <a:endParaRPr lang="en-US" dirty="0" smtClean="0"/>
+          </a:p>
+          <a:p>
+            <a:pPr lvl="1" defTabSz="708025">
+              <a:tabLst>
+                <a:tab pos="1436688" algn="l"/>
+                <a:tab pos="1798638" algn="l"/>
+              </a:tabLst>
+            </a:pPr>
+            <a:r>
+              <a:rPr lang="cs-CZ" dirty="0" smtClean="0"/>
+              <a:t>Microsoft.AspNet.OData (v4</a:t>
+            </a:r>
+            <a:r>
+              <a:rPr lang="cs-CZ" dirty="0" smtClean="0"/>
+              <a:t>)</a:t>
+            </a:r>
+            <a:endParaRPr lang="en-US" dirty="0" smtClean="0"/>
+          </a:p>
+          <a:p>
+            <a:pPr defTabSz="708025">
+              <a:tabLst>
+                <a:tab pos="1436688" algn="l"/>
+                <a:tab pos="1798638" algn="l"/>
+              </a:tabLst>
+            </a:pPr>
+            <a:r>
+              <a:rPr lang="en-GB" dirty="0" smtClean="0"/>
+              <a:t>Entity Data Model (EDM)</a:t>
+            </a:r>
+          </a:p>
+          <a:p>
+            <a:pPr lvl="1" defTabSz="708025">
+              <a:tabLst>
+                <a:tab pos="1436688" algn="l"/>
+                <a:tab pos="1798638" algn="l"/>
+              </a:tabLst>
+            </a:pPr>
+            <a:r>
+              <a:rPr lang="en-GB" dirty="0" smtClean="0"/>
+              <a:t>Defines </a:t>
+            </a:r>
+            <a:r>
+              <a:rPr lang="en-GB" dirty="0" smtClean="0"/>
+              <a:t>metadata document</a:t>
+            </a:r>
+            <a:r>
+              <a:rPr lang="en-GB" dirty="0" smtClean="0"/>
+              <a:t> (what is exposed by the service)</a:t>
+            </a:r>
+          </a:p>
+          <a:p>
+            <a:pPr lvl="1" defTabSz="708025">
+              <a:tabLst>
+                <a:tab pos="1436688" algn="l"/>
+                <a:tab pos="1798638" algn="l"/>
+              </a:tabLst>
+            </a:pPr>
+            <a:r>
+              <a:rPr lang="en-GB" dirty="0" smtClean="0"/>
+              <a:t>Explicitly defined model (</a:t>
+            </a:r>
+            <a:r>
+              <a:rPr lang="en-GB" dirty="0" err="1" smtClean="0"/>
+              <a:t>EdmModel</a:t>
+            </a:r>
+            <a:r>
+              <a:rPr lang="en-GB" dirty="0" smtClean="0"/>
+              <a:t>), </a:t>
+            </a:r>
+            <a:r>
+              <a:rPr lang="en-GB" dirty="0" smtClean="0"/>
+              <a:t>model builder (</a:t>
+            </a:r>
+            <a:r>
+              <a:rPr lang="en-GB" dirty="0" err="1" smtClean="0"/>
+              <a:t>ODataModelBuilder</a:t>
+            </a:r>
+            <a:r>
+              <a:rPr lang="en-GB" dirty="0" smtClean="0"/>
+              <a:t>, </a:t>
+            </a:r>
+            <a:r>
+              <a:rPr lang="en-GB" dirty="0" err="1" smtClean="0"/>
+              <a:t>ODataConventionModelBuilder</a:t>
+            </a:r>
+            <a:r>
+              <a:rPr lang="en-GB" dirty="0" smtClean="0"/>
+              <a:t>)</a:t>
+            </a:r>
+          </a:p>
+          <a:p>
+            <a:pPr defTabSz="708025">
+              <a:tabLst>
+                <a:tab pos="1436688" algn="l"/>
+                <a:tab pos="1798638" algn="l"/>
+              </a:tabLst>
+            </a:pPr>
+            <a:r>
+              <a:rPr lang="en-GB" dirty="0" smtClean="0"/>
+              <a:t>Routing Conventions</a:t>
+            </a:r>
+          </a:p>
+          <a:p>
+            <a:pPr defTabSz="708025">
+              <a:tabLst>
+                <a:tab pos="1436688" algn="l"/>
+                <a:tab pos="1798638" algn="l"/>
+              </a:tabLst>
+            </a:pPr>
+            <a:endParaRPr lang="en-GB" dirty="0" smtClean="0"/>
+          </a:p>
+          <a:p>
+            <a:pPr defTabSz="708025">
+              <a:tabLst>
+                <a:tab pos="1436688" algn="l"/>
+                <a:tab pos="1798638" algn="l"/>
+              </a:tabLst>
+            </a:pPr>
+            <a:endParaRPr lang="en-GB" dirty="0" smtClean="0"/>
+          </a:p>
+          <a:p>
+            <a:pPr defTabSz="708025">
+              <a:tabLst>
+                <a:tab pos="1436688" algn="l"/>
+                <a:tab pos="1798638" algn="l"/>
+              </a:tabLst>
+            </a:pPr>
+            <a:r>
+              <a:rPr lang="en-GB" dirty="0" smtClean="0"/>
+              <a:t>HTTP verbs correspond to CRUD actions (GET to read, POST to create, PUT to replace, PATCH to partially update, DELETE)</a:t>
+            </a:r>
+            <a:endParaRPr lang="en-GB" dirty="0" smtClean="0"/>
+          </a:p>
+          <a:p>
+            <a:pPr lvl="1" defTabSz="708025">
+              <a:buNone/>
+              <a:tabLst>
+                <a:tab pos="1436688" algn="l"/>
+                <a:tab pos="1798638" algn="l"/>
+              </a:tabLst>
+            </a:pPr>
+            <a:endParaRPr lang="en-GB" dirty="0" smtClean="0"/>
+          </a:p>
+          <a:p>
+            <a:pPr lvl="1" defTabSz="708025">
+              <a:buNone/>
+              <a:tabLst>
+                <a:tab pos="1436688" algn="l"/>
+                <a:tab pos="1798638" algn="l"/>
+              </a:tabLst>
+            </a:pPr>
+            <a:endParaRPr lang="en-GB" dirty="0" smtClean="0"/>
+          </a:p>
+          <a:p>
+            <a:pPr lvl="1" defTabSz="708025">
+              <a:buNone/>
+              <a:tabLst>
+                <a:tab pos="1436688" algn="l"/>
+                <a:tab pos="1798638" algn="l"/>
+              </a:tabLst>
+            </a:pPr>
+            <a:endParaRPr lang="en-GB" dirty="0" smtClean="0">
+              <a:hlinkClick r:id="rId3"/>
+            </a:endParaRPr>
+          </a:p>
+          <a:p>
+            <a:pPr lvl="1" defTabSz="708025">
+              <a:buNone/>
+              <a:tabLst>
+                <a:tab pos="1436688" algn="l"/>
+                <a:tab pos="1798638" algn="l"/>
+              </a:tabLst>
+            </a:pPr>
+            <a:endParaRPr lang="en-GB" dirty="0" smtClean="0"/>
+          </a:p>
+          <a:p>
+            <a:pPr defTabSz="708025">
+              <a:buNone/>
+              <a:tabLst>
+                <a:tab pos="1436688" algn="l"/>
+                <a:tab pos="1798638" algn="l"/>
+              </a:tabLst>
+            </a:pPr>
+            <a:endParaRPr lang="en-US" dirty="0" smtClean="0"/>
+          </a:p>
+          <a:p>
+            <a:pPr defTabSz="708025">
+              <a:buNone/>
+              <a:tabLst>
+                <a:tab pos="1436688" algn="l"/>
+                <a:tab pos="1798638" algn="l"/>
+              </a:tabLst>
+            </a:pPr>
+            <a:endParaRPr lang="en-GB" dirty="0" smtClean="0"/>
+          </a:p>
+          <a:p>
+            <a:pPr lvl="1" defTabSz="708025">
+              <a:buNone/>
+              <a:tabLst>
+                <a:tab pos="1436688" algn="l"/>
+                <a:tab pos="1798638" algn="l"/>
+              </a:tabLst>
+            </a:pPr>
+            <a:r>
+              <a:rPr lang="en-GB" dirty="0" smtClean="0"/>
+              <a:t>		</a:t>
+            </a:r>
+          </a:p>
+        </p:txBody>
+      </p:sp>
+      <p:pic>
+        <p:nvPicPr>
+          <p:cNvPr id="1026" name="Picture 2"/>
+          <p:cNvPicPr>
+            <a:picLocks noChangeAspect="1" noChangeArrowheads="1"/>
+          </p:cNvPicPr>
           <p:nvPr/>
-        </p:nvSpPr>
+        </p:nvPicPr>
+        <p:blipFill>
+          <a:blip r:embed="rId4" cstate="print"/>
+          <a:srcRect/>
+          <a:stretch>
+            <a:fillRect/>
+          </a:stretch>
+        </p:blipFill>
         <p:spPr bwMode="auto">
           <a:xfrm>
-            <a:off x="153988" y="-144463"/>
-            <a:ext cx="304800" cy="304801"/>
+            <a:off x="1589298" y="4739777"/>
+            <a:ext cx="4114800" cy="400050"/>
           </a:xfrm>
           <a:prstGeom prst="rect">
             <a:avLst/>
           </a:prstGeom>
           <a:noFill/>
+          <a:ln w="9525">
+            <a:noFill/>
+            <a:miter lim="800000"/>
+            <a:headEnd/>
+            <a:tailEnd/>
+          </a:ln>
         </p:spPr>
-        <p:txBody>
-          <a:bodyPr vert="horz" wrap="square" lIns="91440" tIns="45720" rIns="91440" bIns="45720" numCol="1" anchor="t" anchorCtr="0" compatLnSpc="1">
-            <a:prstTxWarp prst="textNoShape">
-              <a:avLst/>
-            </a:prstTxWarp>
-          </a:bodyPr>
-          <a:lstStyle/>
-          <a:p>
-            <a:endParaRPr lang="en-US"/>
-          </a:p>
-        </p:txBody>
-      </p:sp>
-      <p:sp>
-        <p:nvSpPr>
-          <p:cNvPr id="721934" name="AutoShape 14" descr="Výsledek obrázku pro angularjs"/>
-          <p:cNvSpPr>
-            <a:spLocks noChangeAspect="1" noChangeArrowheads="1"/>
-          </p:cNvSpPr>
-          <p:nvPr/>
-        </p:nvSpPr>
-        <p:spPr bwMode="auto">
-          <a:xfrm>
-            <a:off x="153988" y="-144463"/>
-            <a:ext cx="304800" cy="304801"/>
-          </a:xfrm>
-          <a:prstGeom prst="rect">
-            <a:avLst/>
-          </a:prstGeom>
-          <a:noFill/>
-        </p:spPr>
-        <p:txBody>
-          <a:bodyPr vert="horz" wrap="square" lIns="91440" tIns="45720" rIns="91440" bIns="45720" numCol="1" anchor="t" anchorCtr="0" compatLnSpc="1">
-            <a:prstTxWarp prst="textNoShape">
-              <a:avLst/>
-            </a:prstTxWarp>
-          </a:bodyPr>
-          <a:lstStyle/>
-          <a:p>
-            <a:endParaRPr lang="en-US"/>
-          </a:p>
-        </p:txBody>
-      </p:sp>
-      <p:sp>
-        <p:nvSpPr>
-          <p:cNvPr id="721936" name="AutoShape 16" descr="Výsledek obrázku pro angularjs"/>
-          <p:cNvSpPr>
-            <a:spLocks noChangeAspect="1" noChangeArrowheads="1"/>
-          </p:cNvSpPr>
-          <p:nvPr/>
-        </p:nvSpPr>
-        <p:spPr bwMode="auto">
-          <a:xfrm>
-            <a:off x="153988" y="-144463"/>
-            <a:ext cx="304800" cy="304801"/>
-          </a:xfrm>
-          <a:prstGeom prst="rect">
-            <a:avLst/>
-          </a:prstGeom>
-          <a:noFill/>
-        </p:spPr>
-        <p:txBody>
-          <a:bodyPr vert="horz" wrap="square" lIns="91440" tIns="45720" rIns="91440" bIns="45720" numCol="1" anchor="t" anchorCtr="0" compatLnSpc="1">
-            <a:prstTxWarp prst="textNoShape">
-              <a:avLst/>
-            </a:prstTxWarp>
-          </a:bodyPr>
-          <a:lstStyle/>
-          <a:p>
-            <a:endParaRPr lang="en-US"/>
-          </a:p>
-        </p:txBody>
-      </p:sp>
-      <p:sp>
-        <p:nvSpPr>
-          <p:cNvPr id="721938" name="AutoShape 18" descr="Výsledek obrázku pro angularjs"/>
-          <p:cNvSpPr>
-            <a:spLocks noChangeAspect="1" noChangeArrowheads="1"/>
-          </p:cNvSpPr>
-          <p:nvPr/>
-        </p:nvSpPr>
-        <p:spPr bwMode="auto">
-          <a:xfrm>
-            <a:off x="153988" y="-144463"/>
-            <a:ext cx="304800" cy="304801"/>
-          </a:xfrm>
-          <a:prstGeom prst="rect">
-            <a:avLst/>
-          </a:prstGeom>
-          <a:noFill/>
-        </p:spPr>
-        <p:txBody>
-          <a:bodyPr vert="horz" wrap="square" lIns="91440" tIns="45720" rIns="91440" bIns="45720" numCol="1" anchor="t" anchorCtr="0" compatLnSpc="1">
-            <a:prstTxWarp prst="textNoShape">
-              <a:avLst/>
-            </a:prstTxWarp>
-          </a:bodyPr>
-          <a:lstStyle/>
-          <a:p>
-            <a:endParaRPr lang="en-US"/>
-          </a:p>
-        </p:txBody>
-      </p:sp>
-      <p:sp>
-        <p:nvSpPr>
-          <p:cNvPr id="721940" name="AutoShape 20" descr="Výsledek obrázku pro angularjs"/>
-          <p:cNvSpPr>
-            <a:spLocks noChangeAspect="1" noChangeArrowheads="1"/>
-          </p:cNvSpPr>
-          <p:nvPr/>
-        </p:nvSpPr>
-        <p:spPr bwMode="auto">
-          <a:xfrm>
-            <a:off x="153988" y="-144463"/>
-            <a:ext cx="304800" cy="304801"/>
-          </a:xfrm>
-          <a:prstGeom prst="rect">
-            <a:avLst/>
-          </a:prstGeom>
-          <a:noFill/>
-        </p:spPr>
-        <p:txBody>
-          <a:bodyPr vert="horz" wrap="square" lIns="91440" tIns="45720" rIns="91440" bIns="45720" numCol="1" anchor="t" anchorCtr="0" compatLnSpc="1">
-            <a:prstTxWarp prst="textNoShape">
-              <a:avLst/>
-            </a:prstTxWarp>
-          </a:bodyPr>
-          <a:lstStyle/>
-          <a:p>
-            <a:endParaRPr lang="en-US"/>
-          </a:p>
-        </p:txBody>
-      </p:sp>
+      </p:pic>
     </p:spTree>
   </p:cSld>
   <p:clrMapOvr>
@@ -7992,6 +8581,545 @@
 </file>
 
 <file path=ppt/slides/slide7.xml><?xml version="1.0" encoding="utf-8"?>
+<p:sld xmlns:a="http://schemas.openxmlformats.org/drawingml/2006/main" xmlns:r="http://schemas.openxmlformats.org/officeDocument/2006/relationships" xmlns:p="http://schemas.openxmlformats.org/presentationml/2006/main">
+  <p:cSld>
+    <p:spTree>
+      <p:nvGrpSpPr>
+        <p:cNvPr id="1" name=""/>
+        <p:cNvGrpSpPr/>
+        <p:nvPr/>
+      </p:nvGrpSpPr>
+      <p:grpSpPr>
+        <a:xfrm>
+          <a:off x="0" y="0"/>
+          <a:ext cx="0" cy="0"/>
+          <a:chOff x="0" y="0"/>
+          <a:chExt cx="0" cy="0"/>
+        </a:xfrm>
+      </p:grpSpPr>
+      <p:sp>
+        <p:nvSpPr>
+          <p:cNvPr id="375810" name="Rectangle 2"/>
+          <p:cNvSpPr>
+            <a:spLocks noGrp="1" noChangeArrowheads="1"/>
+          </p:cNvSpPr>
+          <p:nvPr>
+            <p:ph type="title"/>
+          </p:nvPr>
+        </p:nvSpPr>
+        <p:spPr/>
+        <p:txBody>
+          <a:bodyPr/>
+          <a:lstStyle/>
+          <a:p>
+            <a:r>
+              <a:rPr lang="en-GB" dirty="0" smtClean="0"/>
+              <a:t>ASP.NET </a:t>
+            </a:r>
+            <a:r>
+              <a:rPr lang="en-GB" dirty="0" err="1" smtClean="0"/>
+              <a:t>WebAPI</a:t>
+            </a:r>
+            <a:r>
+              <a:rPr lang="en-GB" dirty="0" smtClean="0"/>
+              <a:t> </a:t>
+            </a:r>
+            <a:r>
+              <a:rPr lang="en-GB" dirty="0" err="1" smtClean="0"/>
+              <a:t>Odata</a:t>
+            </a:r>
+            <a:r>
+              <a:rPr lang="en-GB" dirty="0" smtClean="0"/>
+              <a:t> </a:t>
+            </a:r>
+            <a:endParaRPr lang="en-GB" dirty="0"/>
+          </a:p>
+        </p:txBody>
+      </p:sp>
+      <p:sp>
+        <p:nvSpPr>
+          <p:cNvPr id="375811" name="Rectangle 3"/>
+          <p:cNvSpPr>
+            <a:spLocks noGrp="1" noChangeArrowheads="1"/>
+          </p:cNvSpPr>
+          <p:nvPr>
+            <p:ph type="body" idx="1"/>
+          </p:nvPr>
+        </p:nvSpPr>
+        <p:spPr/>
+        <p:txBody>
+          <a:bodyPr/>
+          <a:lstStyle/>
+          <a:p>
+            <a:pPr defTabSz="708025">
+              <a:buNone/>
+              <a:tabLst>
+                <a:tab pos="1436688" algn="l"/>
+                <a:tab pos="1798638" algn="l"/>
+              </a:tabLst>
+            </a:pPr>
+            <a:r>
+              <a:rPr lang="en-US" dirty="0" err="1" smtClean="0"/>
+              <a:t>System.Web.Http.Odata</a:t>
+            </a:r>
+            <a:r>
+              <a:rPr lang="en-US" dirty="0" smtClean="0"/>
+              <a:t>.</a:t>
+            </a:r>
+            <a:r>
+              <a:rPr lang="en-GB" dirty="0" err="1" smtClean="0">
+                <a:solidFill>
+                  <a:srgbClr val="00B050"/>
+                </a:solidFill>
+              </a:rPr>
+              <a:t>ODataController</a:t>
+            </a:r>
+            <a:endParaRPr lang="en-GB" dirty="0" smtClean="0"/>
+          </a:p>
+          <a:p>
+            <a:pPr defTabSz="708025">
+              <a:tabLst>
+                <a:tab pos="1436688" algn="l"/>
+                <a:tab pos="1798638" algn="l"/>
+              </a:tabLst>
+            </a:pPr>
+            <a:r>
+              <a:rPr lang="en-GB" dirty="0" smtClean="0"/>
+              <a:t>Inherits </a:t>
+            </a:r>
+            <a:r>
+              <a:rPr lang="en-GB" dirty="0" smtClean="0"/>
+              <a:t>from </a:t>
+            </a:r>
+            <a:r>
+              <a:rPr lang="en-US" dirty="0" err="1" smtClean="0"/>
+              <a:t>System.Web.Http</a:t>
+            </a:r>
+            <a:r>
+              <a:rPr lang="en-US" dirty="0" smtClean="0"/>
+              <a:t>.</a:t>
+            </a:r>
+            <a:r>
+              <a:rPr lang="en-GB" dirty="0" err="1" smtClean="0">
+                <a:solidFill>
+                  <a:srgbClr val="00B050"/>
+                </a:solidFill>
+              </a:rPr>
+              <a:t>ApiController</a:t>
+            </a:r>
+            <a:endParaRPr lang="en-GB" dirty="0" smtClean="0">
+              <a:solidFill>
+                <a:srgbClr val="00B050"/>
+              </a:solidFill>
+            </a:endParaRPr>
+          </a:p>
+          <a:p>
+            <a:pPr defTabSz="708025">
+              <a:tabLst>
+                <a:tab pos="1436688" algn="l"/>
+                <a:tab pos="1798638" algn="l"/>
+              </a:tabLst>
+            </a:pPr>
+            <a:r>
+              <a:rPr lang="en-GB" dirty="0" smtClean="0"/>
+              <a:t>GET actions return either </a:t>
+            </a:r>
+            <a:r>
+              <a:rPr lang="en-GB" dirty="0" err="1" smtClean="0">
+                <a:solidFill>
+                  <a:srgbClr val="00B050"/>
+                </a:solidFill>
+              </a:rPr>
+              <a:t>IQueryable</a:t>
+            </a:r>
+            <a:r>
+              <a:rPr lang="en-GB" dirty="0" smtClean="0"/>
+              <a:t>&lt;T&gt; or </a:t>
+            </a:r>
+            <a:r>
+              <a:rPr lang="en-GB" dirty="0" err="1" smtClean="0">
+                <a:solidFill>
+                  <a:srgbClr val="00B050"/>
+                </a:solidFill>
+              </a:rPr>
+              <a:t>SingleResult</a:t>
+            </a:r>
+            <a:r>
+              <a:rPr lang="en-GB" dirty="0" smtClean="0"/>
+              <a:t>&lt;T&gt; </a:t>
+            </a:r>
+          </a:p>
+          <a:p>
+            <a:pPr defTabSz="708025">
+              <a:tabLst>
+                <a:tab pos="1436688" algn="l"/>
+                <a:tab pos="1798638" algn="l"/>
+              </a:tabLst>
+            </a:pPr>
+            <a:r>
+              <a:rPr lang="en-GB" dirty="0" err="1" smtClean="0">
+                <a:solidFill>
+                  <a:srgbClr val="00B050"/>
+                </a:solidFill>
+              </a:rPr>
+              <a:t>EnableQueryAttribute</a:t>
+            </a:r>
+            <a:r>
+              <a:rPr lang="en-GB" dirty="0" smtClean="0"/>
+              <a:t> sets allowed operations and limits</a:t>
+            </a:r>
+          </a:p>
+          <a:p>
+            <a:pPr defTabSz="708025">
+              <a:tabLst>
+                <a:tab pos="1436688" algn="l"/>
+                <a:tab pos="1798638" algn="l"/>
+              </a:tabLst>
+            </a:pPr>
+            <a:r>
+              <a:rPr lang="en-US" dirty="0" err="1" smtClean="0">
+                <a:solidFill>
+                  <a:srgbClr val="00B050"/>
+                </a:solidFill>
+              </a:rPr>
+              <a:t>FromODataUriAttribute</a:t>
+            </a:r>
+            <a:r>
+              <a:rPr lang="en-US" dirty="0" smtClean="0"/>
+              <a:t> </a:t>
+            </a:r>
+            <a:r>
+              <a:rPr lang="en-US" dirty="0" smtClean="0"/>
+              <a:t>binds URI parameter (from resource path section) to action parameter</a:t>
+            </a:r>
+            <a:endParaRPr lang="en-GB" dirty="0" smtClean="0"/>
+          </a:p>
+          <a:p>
+            <a:pPr defTabSz="708025">
+              <a:tabLst>
+                <a:tab pos="1436688" algn="l"/>
+                <a:tab pos="1798638" algn="l"/>
+              </a:tabLst>
+            </a:pPr>
+            <a:endParaRPr lang="en-GB" dirty="0" smtClean="0"/>
+          </a:p>
+          <a:p>
+            <a:pPr defTabSz="708025">
+              <a:buNone/>
+              <a:tabLst>
+                <a:tab pos="1436688" algn="l"/>
+                <a:tab pos="1798638" algn="l"/>
+              </a:tabLst>
+            </a:pPr>
+            <a:r>
+              <a:rPr lang="en-GB" dirty="0" smtClean="0"/>
+              <a:t>...enough boring theory, lets shown that in action </a:t>
+            </a:r>
+            <a:r>
+              <a:rPr lang="en-GB" dirty="0" smtClean="0">
+                <a:sym typeface="Wingdings" pitchFamily="2" charset="2"/>
+              </a:rPr>
+              <a:t></a:t>
+            </a:r>
+            <a:endParaRPr lang="en-GB" dirty="0" smtClean="0">
+              <a:solidFill>
+                <a:srgbClr val="FF0000"/>
+              </a:solidFill>
+            </a:endParaRPr>
+          </a:p>
+          <a:p>
+            <a:pPr lvl="1" defTabSz="708025">
+              <a:buNone/>
+              <a:tabLst>
+                <a:tab pos="1436688" algn="l"/>
+                <a:tab pos="1798638" algn="l"/>
+              </a:tabLst>
+            </a:pPr>
+            <a:endParaRPr lang="en-GB" dirty="0" smtClean="0"/>
+          </a:p>
+          <a:p>
+            <a:pPr lvl="1" defTabSz="708025">
+              <a:buNone/>
+              <a:tabLst>
+                <a:tab pos="1436688" algn="l"/>
+                <a:tab pos="1798638" algn="l"/>
+              </a:tabLst>
+            </a:pPr>
+            <a:endParaRPr lang="en-GB" dirty="0" smtClean="0">
+              <a:hlinkClick r:id="rId3"/>
+            </a:endParaRPr>
+          </a:p>
+          <a:p>
+            <a:pPr lvl="1" defTabSz="708025">
+              <a:buNone/>
+              <a:tabLst>
+                <a:tab pos="1436688" algn="l"/>
+                <a:tab pos="1798638" algn="l"/>
+              </a:tabLst>
+            </a:pPr>
+            <a:endParaRPr lang="en-GB" dirty="0" smtClean="0"/>
+          </a:p>
+          <a:p>
+            <a:pPr defTabSz="708025">
+              <a:buNone/>
+              <a:tabLst>
+                <a:tab pos="1436688" algn="l"/>
+                <a:tab pos="1798638" algn="l"/>
+              </a:tabLst>
+            </a:pPr>
+            <a:endParaRPr lang="en-US" dirty="0" smtClean="0"/>
+          </a:p>
+          <a:p>
+            <a:pPr defTabSz="708025">
+              <a:buNone/>
+              <a:tabLst>
+                <a:tab pos="1436688" algn="l"/>
+                <a:tab pos="1798638" algn="l"/>
+              </a:tabLst>
+            </a:pPr>
+            <a:endParaRPr lang="en-GB" dirty="0" smtClean="0"/>
+          </a:p>
+          <a:p>
+            <a:pPr lvl="1" defTabSz="708025">
+              <a:buNone/>
+              <a:tabLst>
+                <a:tab pos="1436688" algn="l"/>
+                <a:tab pos="1798638" algn="l"/>
+              </a:tabLst>
+            </a:pPr>
+            <a:r>
+              <a:rPr lang="en-GB" dirty="0" smtClean="0"/>
+              <a:t>		</a:t>
+            </a:r>
+          </a:p>
+        </p:txBody>
+      </p:sp>
+    </p:spTree>
+  </p:cSld>
+  <p:clrMapOvr>
+    <a:masterClrMapping/>
+  </p:clrMapOvr>
+  <p:timing>
+    <p:tnLst>
+      <p:par>
+        <p:cTn id="1" dur="indefinite" restart="never" nodeType="tmRoot"/>
+      </p:par>
+    </p:tnLst>
+  </p:timing>
+</p:sld>
+</file>
+
+<file path=ppt/slides/slide8.xml><?xml version="1.0" encoding="utf-8"?>
+<p:sld xmlns:a="http://schemas.openxmlformats.org/drawingml/2006/main" xmlns:r="http://schemas.openxmlformats.org/officeDocument/2006/relationships" xmlns:p="http://schemas.openxmlformats.org/presentationml/2006/main">
+  <p:cSld>
+    <p:spTree>
+      <p:nvGrpSpPr>
+        <p:cNvPr id="1" name=""/>
+        <p:cNvGrpSpPr/>
+        <p:nvPr/>
+      </p:nvGrpSpPr>
+      <p:grpSpPr>
+        <a:xfrm>
+          <a:off x="0" y="0"/>
+          <a:ext cx="0" cy="0"/>
+          <a:chOff x="0" y="0"/>
+          <a:chExt cx="0" cy="0"/>
+        </a:xfrm>
+      </p:grpSpPr>
+      <p:sp>
+        <p:nvSpPr>
+          <p:cNvPr id="721922" name="Rectangle 2"/>
+          <p:cNvSpPr>
+            <a:spLocks noGrp="1" noChangeArrowheads="1"/>
+          </p:cNvSpPr>
+          <p:nvPr>
+            <p:ph type="title"/>
+          </p:nvPr>
+        </p:nvSpPr>
+        <p:spPr>
+          <a:xfrm>
+            <a:off x="3444024" y="2975319"/>
+            <a:ext cx="2287473" cy="711200"/>
+          </a:xfrm>
+        </p:spPr>
+        <p:txBody>
+          <a:bodyPr/>
+          <a:lstStyle/>
+          <a:p>
+            <a:r>
+              <a:rPr lang="en-GB" sz="4400" dirty="0" smtClean="0"/>
+              <a:t>DEMO</a:t>
+            </a:r>
+            <a:endParaRPr lang="en-GB" sz="4400" dirty="0"/>
+          </a:p>
+        </p:txBody>
+      </p:sp>
+      <p:sp>
+        <p:nvSpPr>
+          <p:cNvPr id="721932" name="AutoShape 12" descr="Výsledek obrázku pro angularjs"/>
+          <p:cNvSpPr>
+            <a:spLocks noChangeAspect="1" noChangeArrowheads="1"/>
+          </p:cNvSpPr>
+          <p:nvPr/>
+        </p:nvSpPr>
+        <p:spPr bwMode="auto">
+          <a:xfrm>
+            <a:off x="153988" y="-144463"/>
+            <a:ext cx="304800" cy="304801"/>
+          </a:xfrm>
+          <a:prstGeom prst="rect">
+            <a:avLst/>
+          </a:prstGeom>
+          <a:noFill/>
+        </p:spPr>
+        <p:txBody>
+          <a:bodyPr vert="horz" wrap="square" lIns="91440" tIns="45720" rIns="91440" bIns="45720" numCol="1" anchor="t" anchorCtr="0" compatLnSpc="1">
+            <a:prstTxWarp prst="textNoShape">
+              <a:avLst/>
+            </a:prstTxWarp>
+          </a:bodyPr>
+          <a:lstStyle/>
+          <a:p>
+            <a:endParaRPr lang="en-US"/>
+          </a:p>
+        </p:txBody>
+      </p:sp>
+      <p:sp>
+        <p:nvSpPr>
+          <p:cNvPr id="721934" name="AutoShape 14" descr="Výsledek obrázku pro angularjs"/>
+          <p:cNvSpPr>
+            <a:spLocks noChangeAspect="1" noChangeArrowheads="1"/>
+          </p:cNvSpPr>
+          <p:nvPr/>
+        </p:nvSpPr>
+        <p:spPr bwMode="auto">
+          <a:xfrm>
+            <a:off x="153988" y="-144463"/>
+            <a:ext cx="304800" cy="304801"/>
+          </a:xfrm>
+          <a:prstGeom prst="rect">
+            <a:avLst/>
+          </a:prstGeom>
+          <a:noFill/>
+        </p:spPr>
+        <p:txBody>
+          <a:bodyPr vert="horz" wrap="square" lIns="91440" tIns="45720" rIns="91440" bIns="45720" numCol="1" anchor="t" anchorCtr="0" compatLnSpc="1">
+            <a:prstTxWarp prst="textNoShape">
+              <a:avLst/>
+            </a:prstTxWarp>
+          </a:bodyPr>
+          <a:lstStyle/>
+          <a:p>
+            <a:endParaRPr lang="en-US"/>
+          </a:p>
+        </p:txBody>
+      </p:sp>
+      <p:sp>
+        <p:nvSpPr>
+          <p:cNvPr id="721936" name="AutoShape 16" descr="Výsledek obrázku pro angularjs"/>
+          <p:cNvSpPr>
+            <a:spLocks noChangeAspect="1" noChangeArrowheads="1"/>
+          </p:cNvSpPr>
+          <p:nvPr/>
+        </p:nvSpPr>
+        <p:spPr bwMode="auto">
+          <a:xfrm>
+            <a:off x="153988" y="-144463"/>
+            <a:ext cx="304800" cy="304801"/>
+          </a:xfrm>
+          <a:prstGeom prst="rect">
+            <a:avLst/>
+          </a:prstGeom>
+          <a:noFill/>
+        </p:spPr>
+        <p:txBody>
+          <a:bodyPr vert="horz" wrap="square" lIns="91440" tIns="45720" rIns="91440" bIns="45720" numCol="1" anchor="t" anchorCtr="0" compatLnSpc="1">
+            <a:prstTxWarp prst="textNoShape">
+              <a:avLst/>
+            </a:prstTxWarp>
+          </a:bodyPr>
+          <a:lstStyle/>
+          <a:p>
+            <a:endParaRPr lang="en-US"/>
+          </a:p>
+        </p:txBody>
+      </p:sp>
+      <p:sp>
+        <p:nvSpPr>
+          <p:cNvPr id="721938" name="AutoShape 18" descr="Výsledek obrázku pro angularjs"/>
+          <p:cNvSpPr>
+            <a:spLocks noChangeAspect="1" noChangeArrowheads="1"/>
+          </p:cNvSpPr>
+          <p:nvPr/>
+        </p:nvSpPr>
+        <p:spPr bwMode="auto">
+          <a:xfrm>
+            <a:off x="153988" y="-144463"/>
+            <a:ext cx="304800" cy="304801"/>
+          </a:xfrm>
+          <a:prstGeom prst="rect">
+            <a:avLst/>
+          </a:prstGeom>
+          <a:noFill/>
+        </p:spPr>
+        <p:txBody>
+          <a:bodyPr vert="horz" wrap="square" lIns="91440" tIns="45720" rIns="91440" bIns="45720" numCol="1" anchor="t" anchorCtr="0" compatLnSpc="1">
+            <a:prstTxWarp prst="textNoShape">
+              <a:avLst/>
+            </a:prstTxWarp>
+          </a:bodyPr>
+          <a:lstStyle/>
+          <a:p>
+            <a:endParaRPr lang="en-US"/>
+          </a:p>
+        </p:txBody>
+      </p:sp>
+      <p:sp>
+        <p:nvSpPr>
+          <p:cNvPr id="721940" name="AutoShape 20" descr="Výsledek obrázku pro angularjs"/>
+          <p:cNvSpPr>
+            <a:spLocks noChangeAspect="1" noChangeArrowheads="1"/>
+          </p:cNvSpPr>
+          <p:nvPr/>
+        </p:nvSpPr>
+        <p:spPr bwMode="auto">
+          <a:xfrm>
+            <a:off x="153988" y="-144463"/>
+            <a:ext cx="304800" cy="304801"/>
+          </a:xfrm>
+          <a:prstGeom prst="rect">
+            <a:avLst/>
+          </a:prstGeom>
+          <a:noFill/>
+        </p:spPr>
+        <p:txBody>
+          <a:bodyPr vert="horz" wrap="square" lIns="91440" tIns="45720" rIns="91440" bIns="45720" numCol="1" anchor="t" anchorCtr="0" compatLnSpc="1">
+            <a:prstTxWarp prst="textNoShape">
+              <a:avLst/>
+            </a:prstTxWarp>
+          </a:bodyPr>
+          <a:lstStyle/>
+          <a:p>
+            <a:endParaRPr lang="en-US"/>
+          </a:p>
+        </p:txBody>
+      </p:sp>
+    </p:spTree>
+  </p:cSld>
+  <p:clrMapOvr>
+    <a:masterClrMapping/>
+  </p:clrMapOvr>
+  <p:timing>
+    <p:tnLst>
+      <p:par>
+        <p:cTn id="1" dur="indefinite" restart="never" nodeType="tmRoot"/>
+      </p:par>
+    </p:tnLst>
+  </p:timing>
+</p:sld>
+</file>
+
+<file path=ppt/slides/slide9.xml><?xml version="1.0" encoding="utf-8"?>
 <p:sld xmlns:a="http://schemas.openxmlformats.org/drawingml/2006/main" xmlns:r="http://schemas.openxmlformats.org/officeDocument/2006/relationships" xmlns:p="http://schemas.openxmlformats.org/presentationml/2006/main">
   <p:cSld>
     <p:spTree>
@@ -9933,9 +11061,12 @@
 </file>
 
 <file path=customXml/item1.xml><?xml version="1.0" encoding="utf-8"?>
-<p:properties xmlns:p="http://schemas.microsoft.com/office/2006/metadata/properties" xmlns:xsi="http://www.w3.org/2001/XMLSchema-instance">
-  <documentManagement/>
-</p:properties>
+<?mso-contentType ?>
+<FormTemplates xmlns="http://schemas.microsoft.com/sharepoint/v3/contenttype/forms">
+  <Display>DocumentLibraryForm</Display>
+  <Edit>DocumentLibraryForm</Edit>
+  <New>DocumentLibraryForm</New>
+</FormTemplates>
 </file>
 
 <file path=customXml/item2.xml><?xml version="1.0" encoding="utf-8"?>
@@ -9988,18 +11119,15 @@
 </file>
 
 <file path=customXml/item3.xml><?xml version="1.0" encoding="utf-8"?>
-<?mso-contentType ?>
-<FormTemplates xmlns="http://schemas.microsoft.com/sharepoint/v3/contenttype/forms">
-  <Display>DocumentLibraryForm</Display>
-  <Edit>DocumentLibraryForm</Edit>
-  <New>DocumentLibraryForm</New>
-</FormTemplates>
+<p:properties xmlns:p="http://schemas.microsoft.com/office/2006/metadata/properties" xmlns:xsi="http://www.w3.org/2001/XMLSchema-instance">
+  <documentManagement/>
+</p:properties>
 </file>
 
 <file path=customXml/itemProps1.xml><?xml version="1.0" encoding="utf-8"?>
-<ds:datastoreItem xmlns:ds="http://schemas.openxmlformats.org/officeDocument/2006/customXml" ds:itemID="{6A7D866B-6012-4076-8338-E8D7EBE7EEC1}">
+<ds:datastoreItem xmlns:ds="http://schemas.openxmlformats.org/officeDocument/2006/customXml" ds:itemID="{0842B153-77EA-4D82-90D7-4B6BF2AE9CCB}">
   <ds:schemaRefs>
-    <ds:schemaRef ds:uri="http://schemas.microsoft.com/office/2006/metadata/properties"/>
+    <ds:schemaRef ds:uri="http://schemas.microsoft.com/sharepoint/v3/contenttype/forms"/>
   </ds:schemaRefs>
 </ds:datastoreItem>
 </file>
@@ -10020,9 +11148,9 @@
 </file>
 
 <file path=customXml/itemProps3.xml><?xml version="1.0" encoding="utf-8"?>
-<ds:datastoreItem xmlns:ds="http://schemas.openxmlformats.org/officeDocument/2006/customXml" ds:itemID="{0842B153-77EA-4D82-90D7-4B6BF2AE9CCB}">
+<ds:datastoreItem xmlns:ds="http://schemas.openxmlformats.org/officeDocument/2006/customXml" ds:itemID="{6A7D866B-6012-4076-8338-E8D7EBE7EEC1}">
   <ds:schemaRefs>
-    <ds:schemaRef ds:uri="http://schemas.microsoft.com/sharepoint/v3/contenttype/forms"/>
+    <ds:schemaRef ds:uri="http://schemas.microsoft.com/office/2006/metadata/properties"/>
   </ds:schemaRefs>
 </ds:datastoreItem>
 </file>